--- a/ProjectTOBARA.pptx
+++ b/ProjectTOBARA.pptx
@@ -10194,555 +10194,36 @@
           </p:txBody>
         </p:sp>
       </p:grpSp>
-      <p:grpSp>
-        <p:nvGrpSpPr>
-          <p:cNvPr id="11" name="Group 14"/>
-          <p:cNvGrpSpPr/>
+      <p:pic>
+        <p:nvPicPr>
+          <p:cNvPr id="1030651908" name="Picture 1030651908"/>
+          <p:cNvPicPr>
+            <a:picLocks noChangeAspect="1"/>
+          </p:cNvPicPr>
           <p:nvPr/>
-        </p:nvGrpSpPr>
-        <p:grpSpPr>
+        </p:nvPicPr>
+        <p:blipFill>
+          <a:blip r:embed="rId1">
+            <a:extLst>
+              <a:ext uri="{28A0092B-C50C-407E-A947-70E740481C1C}">
+                <a14:useLocalDpi xmlns:a14="http://schemas.microsoft.com/office/drawing/2010/main" val="0"/>
+              </a:ext>
+            </a:extLst>
+          </a:blip>
+          <a:stretch>
+            <a:fillRect/>
+          </a:stretch>
+        </p:blipFill>
+        <p:spPr>
           <a:xfrm>
-            <a:off x="2104571" y="1828801"/>
-            <a:ext cx="8485641" cy="4513898"/>
-            <a:chOff x="0" y="0"/>
-            <a:chExt cx="6753225" cy="3795712"/>
+            <a:off x="3046095" y="1765935"/>
+            <a:ext cx="6774815" cy="4925695"/>
           </a:xfrm>
-        </p:grpSpPr>
-        <p:sp>
-          <p:nvSpPr>
-            <p:cNvPr id="13" name="Oval 2"/>
-            <p:cNvSpPr/>
-            <p:nvPr/>
-          </p:nvSpPr>
-          <p:spPr>
-            <a:xfrm>
-              <a:off x="2190750" y="0"/>
-              <a:ext cx="1795462" cy="790575"/>
-            </a:xfrm>
-            <a:prstGeom prst="ellipse">
-              <a:avLst/>
-            </a:prstGeom>
-          </p:spPr>
-          <p:style>
-            <a:lnRef idx="2">
-              <a:schemeClr val="dk1"/>
-            </a:lnRef>
-            <a:fillRef idx="1">
-              <a:schemeClr val="lt1"/>
-            </a:fillRef>
-            <a:effectRef idx="0">
-              <a:schemeClr val="dk1"/>
-            </a:effectRef>
-            <a:fontRef idx="minor">
-              <a:schemeClr val="dk1"/>
-            </a:fontRef>
-          </p:style>
-          <p:txBody>
-            <a:bodyPr rot="0" spcFirstLastPara="0" vert="horz" wrap="square" lIns="91440" tIns="45720" rIns="91440" bIns="45720" numCol="1" spcCol="0" rtlCol="0" fromWordArt="0" anchor="ctr" anchorCtr="0" forceAA="0" compatLnSpc="1">
-              <a:noAutofit/>
-            </a:bodyPr>
-            <a:lstStyle/>
-            <a:p>
-              <a:pPr algn="ctr">
-                <a:lnSpc>
-                  <a:spcPct val="107000"/>
-                </a:lnSpc>
-                <a:spcAft>
-                  <a:spcPts val="800"/>
-                </a:spcAft>
-              </a:pPr>
-              <a:r>
-                <a:rPr lang="es-MX" sz="1100">
-                  <a:effectLst/>
-                  <a:ea typeface="Calibri" panose="020F0502020204030204" pitchFamily="34" charset="0"/>
-                  <a:cs typeface="Times New Roman" panose="02020603050405020304" pitchFamily="18" charset="0"/>
-                </a:rPr>
-                <a:t>Ingresar expresión booleana</a:t>
-              </a:r>
-              <a:endParaRPr lang="es-MX" sz="1100">
-                <a:effectLst/>
-                <a:ea typeface="Calibri" panose="020F0502020204030204" pitchFamily="34" charset="0"/>
-                <a:cs typeface="Times New Roman" panose="02020603050405020304" pitchFamily="18" charset="0"/>
-              </a:endParaRPr>
-            </a:p>
-          </p:txBody>
-        </p:sp>
-        <p:sp>
-          <p:nvSpPr>
-            <p:cNvPr id="16" name="Oval 4"/>
-            <p:cNvSpPr/>
-            <p:nvPr/>
-          </p:nvSpPr>
-          <p:spPr>
-            <a:xfrm>
-              <a:off x="2228850" y="933450"/>
-              <a:ext cx="1795462" cy="790575"/>
-            </a:xfrm>
-            <a:prstGeom prst="ellipse">
-              <a:avLst/>
-            </a:prstGeom>
-          </p:spPr>
-          <p:style>
-            <a:lnRef idx="2">
-              <a:schemeClr val="dk1"/>
-            </a:lnRef>
-            <a:fillRef idx="1">
-              <a:schemeClr val="lt1"/>
-            </a:fillRef>
-            <a:effectRef idx="0">
-              <a:schemeClr val="dk1"/>
-            </a:effectRef>
-            <a:fontRef idx="minor">
-              <a:schemeClr val="dk1"/>
-            </a:fontRef>
-          </p:style>
-          <p:txBody>
-            <a:bodyPr rot="0" spcFirstLastPara="0" vert="horz" wrap="square" lIns="91440" tIns="45720" rIns="91440" bIns="45720" numCol="1" spcCol="0" rtlCol="0" fromWordArt="0" anchor="ctr" anchorCtr="0" forceAA="0" compatLnSpc="1">
-              <a:noAutofit/>
-            </a:bodyPr>
-            <a:lstStyle/>
-            <a:p>
-              <a:pPr algn="ctr">
-                <a:lnSpc>
-                  <a:spcPct val="107000"/>
-                </a:lnSpc>
-                <a:spcAft>
-                  <a:spcPts val="800"/>
-                </a:spcAft>
-              </a:pPr>
-              <a:r>
-                <a:rPr lang="es-MX" sz="1100">
-                  <a:effectLst/>
-                  <a:ea typeface="Calibri" panose="020F0502020204030204" pitchFamily="34" charset="0"/>
-                  <a:cs typeface="Times New Roman" panose="02020603050405020304" pitchFamily="18" charset="0"/>
-                </a:rPr>
-                <a:t>Reducción de la expresión </a:t>
-              </a:r>
-              <a:endParaRPr lang="es-MX" sz="1100">
-                <a:effectLst/>
-                <a:ea typeface="Calibri" panose="020F0502020204030204" pitchFamily="34" charset="0"/>
-                <a:cs typeface="Times New Roman" panose="02020603050405020304" pitchFamily="18" charset="0"/>
-              </a:endParaRPr>
-            </a:p>
-          </p:txBody>
-        </p:sp>
-        <p:sp>
-          <p:nvSpPr>
-            <p:cNvPr id="17" name="Text Box 3"/>
-            <p:cNvSpPr txBox="1"/>
-            <p:nvPr/>
-          </p:nvSpPr>
-          <p:spPr>
-            <a:xfrm>
-              <a:off x="0" y="1671637"/>
-              <a:ext cx="1352550" cy="385763"/>
-            </a:xfrm>
-            <a:prstGeom prst="rect">
-              <a:avLst/>
-            </a:prstGeom>
-            <a:solidFill>
-              <a:schemeClr val="lt1"/>
-            </a:solidFill>
-            <a:ln w="6350">
-              <a:noFill/>
-            </a:ln>
-          </p:spPr>
-          <p:txBody>
-            <a:bodyPr rot="0" spcFirstLastPara="0" vert="horz" wrap="square" lIns="91440" tIns="45720" rIns="91440" bIns="45720" numCol="1" spcCol="0" rtlCol="0" fromWordArt="0" anchor="t" anchorCtr="0" forceAA="0" compatLnSpc="1">
-              <a:noAutofit/>
-            </a:bodyPr>
-            <a:lstStyle/>
-            <a:p>
-              <a:pPr algn="ctr">
-                <a:lnSpc>
-                  <a:spcPct val="107000"/>
-                </a:lnSpc>
-                <a:spcAft>
-                  <a:spcPts val="800"/>
-                </a:spcAft>
-              </a:pPr>
-              <a:r>
-                <a:rPr lang="es-MX" sz="1100">
-                  <a:effectLst/>
-                  <a:latin typeface="Calibri" panose="020F0502020204030204" pitchFamily="34" charset="0"/>
-                  <a:ea typeface="Calibri" panose="020F0502020204030204" pitchFamily="34" charset="0"/>
-                  <a:cs typeface="Times New Roman" panose="02020603050405020304" pitchFamily="18" charset="0"/>
-                </a:rPr>
-                <a:t>Usuario</a:t>
-              </a:r>
-              <a:endParaRPr lang="es-MX" sz="1100">
-                <a:effectLst/>
-                <a:latin typeface="Calibri" panose="020F0502020204030204" pitchFamily="34" charset="0"/>
-                <a:ea typeface="Calibri" panose="020F0502020204030204" pitchFamily="34" charset="0"/>
-                <a:cs typeface="Times New Roman" panose="02020603050405020304" pitchFamily="18" charset="0"/>
-              </a:endParaRPr>
-            </a:p>
-          </p:txBody>
-        </p:sp>
-        <p:sp>
-          <p:nvSpPr>
-            <p:cNvPr id="18" name="Oval 5"/>
-            <p:cNvSpPr/>
-            <p:nvPr/>
-          </p:nvSpPr>
-          <p:spPr>
-            <a:xfrm>
-              <a:off x="2281238" y="1881187"/>
-              <a:ext cx="1795462" cy="895350"/>
-            </a:xfrm>
-            <a:prstGeom prst="ellipse">
-              <a:avLst/>
-            </a:prstGeom>
-          </p:spPr>
-          <p:style>
-            <a:lnRef idx="2">
-              <a:schemeClr val="dk1"/>
-            </a:lnRef>
-            <a:fillRef idx="1">
-              <a:schemeClr val="lt1"/>
-            </a:fillRef>
-            <a:effectRef idx="0">
-              <a:schemeClr val="dk1"/>
-            </a:effectRef>
-            <a:fontRef idx="minor">
-              <a:schemeClr val="dk1"/>
-            </a:fontRef>
-          </p:style>
-          <p:txBody>
-            <a:bodyPr rot="0" spcFirstLastPara="0" vert="horz" wrap="square" lIns="91440" tIns="45720" rIns="91440" bIns="45720" numCol="1" spcCol="0" rtlCol="0" fromWordArt="0" anchor="ctr" anchorCtr="0" forceAA="0" compatLnSpc="1">
-              <a:noAutofit/>
-            </a:bodyPr>
-            <a:lstStyle/>
-            <a:p>
-              <a:pPr algn="ctr">
-                <a:lnSpc>
-                  <a:spcPct val="107000"/>
-                </a:lnSpc>
-                <a:spcAft>
-                  <a:spcPts val="800"/>
-                </a:spcAft>
-              </a:pPr>
-              <a:r>
-                <a:rPr lang="es-MX" sz="1100">
-                  <a:effectLst/>
-                  <a:ea typeface="Calibri" panose="020F0502020204030204" pitchFamily="34" charset="0"/>
-                  <a:cs typeface="Times New Roman" panose="02020603050405020304" pitchFamily="18" charset="0"/>
-                </a:rPr>
-                <a:t>Visualización de la expresión reducida </a:t>
-              </a:r>
-              <a:endParaRPr lang="es-MX" sz="1100">
-                <a:effectLst/>
-                <a:ea typeface="Calibri" panose="020F0502020204030204" pitchFamily="34" charset="0"/>
-                <a:cs typeface="Times New Roman" panose="02020603050405020304" pitchFamily="18" charset="0"/>
-              </a:endParaRPr>
-            </a:p>
-          </p:txBody>
-        </p:sp>
-        <p:pic>
-          <p:nvPicPr>
-            <p:cNvPr id="19" name="Picture 1" descr="See the source image"/>
-            <p:cNvPicPr>
-              <a:picLocks noChangeAspect="1"/>
-            </p:cNvPicPr>
-            <p:nvPr/>
-          </p:nvPicPr>
-          <p:blipFill rotWithShape="1">
-            <a:blip r:embed="rId1" cstate="print">
-              <a:extLst>
-                <a:ext uri="{28A0092B-C50C-407E-A947-70E740481C1C}">
-                  <a14:useLocalDpi xmlns:a14="http://schemas.microsoft.com/office/drawing/2010/main" val="0"/>
-                </a:ext>
-              </a:extLst>
-            </a:blip>
-            <a:srcRect l="19730" r="15429" b="21138"/>
-            <a:stretch>
-              <a:fillRect/>
-            </a:stretch>
-          </p:blipFill>
-          <p:spPr bwMode="auto">
-            <a:xfrm>
-              <a:off x="481013" y="914400"/>
-              <a:ext cx="565785" cy="661670"/>
-            </a:xfrm>
-            <a:prstGeom prst="rect">
-              <a:avLst/>
-            </a:prstGeom>
-            <a:noFill/>
-            <a:ln>
-              <a:noFill/>
-            </a:ln>
-          </p:spPr>
-        </p:pic>
-        <p:pic>
-          <p:nvPicPr>
-            <p:cNvPr id="20" name="Picture 6" descr="See the source image"/>
-            <p:cNvPicPr>
-              <a:picLocks noChangeAspect="1"/>
-            </p:cNvPicPr>
-            <p:nvPr/>
-          </p:nvPicPr>
-          <p:blipFill rotWithShape="1">
-            <a:blip r:embed="rId1" cstate="print">
-              <a:extLst>
-                <a:ext uri="{28A0092B-C50C-407E-A947-70E740481C1C}">
-                  <a14:useLocalDpi xmlns:a14="http://schemas.microsoft.com/office/drawing/2010/main" val="0"/>
-                </a:ext>
-              </a:extLst>
-            </a:blip>
-            <a:srcRect l="19730" r="15429" b="21138"/>
-            <a:stretch>
-              <a:fillRect/>
-            </a:stretch>
-          </p:blipFill>
-          <p:spPr bwMode="auto">
-            <a:xfrm>
-              <a:off x="5791200" y="947737"/>
-              <a:ext cx="565785" cy="661670"/>
-            </a:xfrm>
-            <a:prstGeom prst="rect">
-              <a:avLst/>
-            </a:prstGeom>
-            <a:noFill/>
-            <a:ln>
-              <a:noFill/>
-            </a:ln>
-          </p:spPr>
-        </p:pic>
-        <p:sp>
-          <p:nvSpPr>
-            <p:cNvPr id="21" name="Text Box 7"/>
-            <p:cNvSpPr txBox="1"/>
-            <p:nvPr/>
-          </p:nvSpPr>
-          <p:spPr>
-            <a:xfrm>
-              <a:off x="5400675" y="1752600"/>
-              <a:ext cx="1352550" cy="385763"/>
-            </a:xfrm>
-            <a:prstGeom prst="rect">
-              <a:avLst/>
-            </a:prstGeom>
-            <a:solidFill>
-              <a:schemeClr val="lt1"/>
-            </a:solidFill>
-            <a:ln w="6350">
-              <a:noFill/>
-            </a:ln>
-          </p:spPr>
-          <p:txBody>
-            <a:bodyPr rot="0" spcFirstLastPara="0" vert="horz" wrap="square" lIns="91440" tIns="45720" rIns="91440" bIns="45720" numCol="1" spcCol="0" rtlCol="0" fromWordArt="0" anchor="t" anchorCtr="0" forceAA="0" compatLnSpc="1">
-              <a:noAutofit/>
-            </a:bodyPr>
-            <a:lstStyle/>
-            <a:p>
-              <a:pPr algn="ctr">
-                <a:lnSpc>
-                  <a:spcPct val="107000"/>
-                </a:lnSpc>
-                <a:spcAft>
-                  <a:spcPts val="800"/>
-                </a:spcAft>
-              </a:pPr>
-              <a:r>
-                <a:rPr lang="es-MX" sz="1100">
-                  <a:effectLst/>
-                  <a:latin typeface="Calibri" panose="020F0502020204030204" pitchFamily="34" charset="0"/>
-                  <a:ea typeface="Calibri" panose="020F0502020204030204" pitchFamily="34" charset="0"/>
-                  <a:cs typeface="Times New Roman" panose="02020603050405020304" pitchFamily="18" charset="0"/>
-                </a:rPr>
-                <a:t>Sistema</a:t>
-              </a:r>
-              <a:endParaRPr lang="es-MX" sz="1100">
-                <a:effectLst/>
-                <a:latin typeface="Calibri" panose="020F0502020204030204" pitchFamily="34" charset="0"/>
-                <a:ea typeface="Calibri" panose="020F0502020204030204" pitchFamily="34" charset="0"/>
-                <a:cs typeface="Times New Roman" panose="02020603050405020304" pitchFamily="18" charset="0"/>
-              </a:endParaRPr>
-            </a:p>
-          </p:txBody>
-        </p:sp>
-        <p:cxnSp>
-          <p:nvCxnSpPr>
-            <p:cNvPr id="22" name="Connector: Elbow 8"/>
-            <p:cNvCxnSpPr/>
-            <p:nvPr/>
-          </p:nvCxnSpPr>
-          <p:spPr>
-            <a:xfrm flipV="1">
-              <a:off x="1233488" y="404812"/>
-              <a:ext cx="957263" cy="962025"/>
-            </a:xfrm>
-            <a:prstGeom prst="bentConnector3">
-              <a:avLst/>
-            </a:prstGeom>
-          </p:spPr>
-          <p:style>
-            <a:lnRef idx="2">
-              <a:schemeClr val="dk1"/>
-            </a:lnRef>
-            <a:fillRef idx="0">
-              <a:schemeClr val="dk1"/>
-            </a:fillRef>
-            <a:effectRef idx="1">
-              <a:schemeClr val="dk1"/>
-            </a:effectRef>
-            <a:fontRef idx="minor">
-              <a:schemeClr val="tx1"/>
-            </a:fontRef>
-          </p:style>
-        </p:cxnSp>
-        <p:cxnSp>
-          <p:nvCxnSpPr>
-            <p:cNvPr id="23" name="Connector: Elbow 10"/>
-            <p:cNvCxnSpPr/>
-            <p:nvPr/>
-          </p:nvCxnSpPr>
-          <p:spPr>
-            <a:xfrm flipH="1">
-              <a:off x="4176713" y="1257300"/>
-              <a:ext cx="1476057" cy="1133475"/>
-            </a:xfrm>
-            <a:prstGeom prst="bentConnector3">
-              <a:avLst>
-                <a:gd name="adj1" fmla="val 46763"/>
-              </a:avLst>
-            </a:prstGeom>
-          </p:spPr>
-          <p:style>
-            <a:lnRef idx="2">
-              <a:schemeClr val="dk1"/>
-            </a:lnRef>
-            <a:fillRef idx="0">
-              <a:schemeClr val="dk1"/>
-            </a:fillRef>
-            <a:effectRef idx="1">
-              <a:schemeClr val="dk1"/>
-            </a:effectRef>
-            <a:fontRef idx="minor">
-              <a:schemeClr val="tx1"/>
-            </a:fontRef>
-          </p:style>
-        </p:cxnSp>
-        <p:sp>
-          <p:nvSpPr>
-            <p:cNvPr id="24" name="Oval 11"/>
-            <p:cNvSpPr/>
-            <p:nvPr/>
-          </p:nvSpPr>
-          <p:spPr>
-            <a:xfrm>
-              <a:off x="2362200" y="2900362"/>
-              <a:ext cx="1795462" cy="895350"/>
-            </a:xfrm>
-            <a:prstGeom prst="ellipse">
-              <a:avLst/>
-            </a:prstGeom>
-          </p:spPr>
-          <p:style>
-            <a:lnRef idx="2">
-              <a:schemeClr val="dk1"/>
-            </a:lnRef>
-            <a:fillRef idx="1">
-              <a:schemeClr val="lt1"/>
-            </a:fillRef>
-            <a:effectRef idx="0">
-              <a:schemeClr val="dk1"/>
-            </a:effectRef>
-            <a:fontRef idx="minor">
-              <a:schemeClr val="dk1"/>
-            </a:fontRef>
-          </p:style>
-          <p:txBody>
-            <a:bodyPr rot="0" spcFirstLastPara="0" vert="horz" wrap="square" lIns="91440" tIns="45720" rIns="91440" bIns="45720" numCol="1" spcCol="0" rtlCol="0" fromWordArt="0" anchor="ctr" anchorCtr="0" forceAA="0" compatLnSpc="1">
-              <a:noAutofit/>
-            </a:bodyPr>
-            <a:lstStyle/>
-            <a:p>
-              <a:pPr algn="ctr">
-                <a:lnSpc>
-                  <a:spcPct val="107000"/>
-                </a:lnSpc>
-                <a:spcAft>
-                  <a:spcPts val="800"/>
-                </a:spcAft>
-              </a:pPr>
-              <a:r>
-                <a:rPr lang="es-MX" sz="1100">
-                  <a:effectLst/>
-                  <a:ea typeface="Calibri" panose="020F0502020204030204" pitchFamily="34" charset="0"/>
-                  <a:cs typeface="Times New Roman" panose="02020603050405020304" pitchFamily="18" charset="0"/>
-                </a:rPr>
-                <a:t>Aparición del Botón “CLEAR”</a:t>
-              </a:r>
-              <a:endParaRPr lang="es-MX" sz="1100">
-                <a:effectLst/>
-                <a:ea typeface="Calibri" panose="020F0502020204030204" pitchFamily="34" charset="0"/>
-                <a:cs typeface="Times New Roman" panose="02020603050405020304" pitchFamily="18" charset="0"/>
-              </a:endParaRPr>
-            </a:p>
-          </p:txBody>
-        </p:sp>
-        <p:cxnSp>
-          <p:nvCxnSpPr>
-            <p:cNvPr id="25" name="Connector: Elbow 12"/>
-            <p:cNvCxnSpPr/>
-            <p:nvPr/>
-          </p:nvCxnSpPr>
-          <p:spPr>
-            <a:xfrm flipH="1">
-              <a:off x="4219575" y="1257300"/>
-              <a:ext cx="1500188" cy="2199957"/>
-            </a:xfrm>
-            <a:prstGeom prst="bentConnector3">
-              <a:avLst/>
-            </a:prstGeom>
-          </p:spPr>
-          <p:style>
-            <a:lnRef idx="2">
-              <a:schemeClr val="dk1"/>
-            </a:lnRef>
-            <a:fillRef idx="0">
-              <a:schemeClr val="dk1"/>
-            </a:fillRef>
-            <a:effectRef idx="1">
-              <a:schemeClr val="dk1"/>
-            </a:effectRef>
-            <a:fontRef idx="minor">
-              <a:schemeClr val="tx1"/>
-            </a:fontRef>
-          </p:style>
-        </p:cxnSp>
-        <p:cxnSp>
-          <p:nvCxnSpPr>
-            <p:cNvPr id="26" name="Straight Connector 13"/>
-            <p:cNvCxnSpPr/>
-            <p:nvPr/>
-          </p:nvCxnSpPr>
-          <p:spPr>
-            <a:xfrm flipH="1" flipV="1">
-              <a:off x="4138613" y="1257300"/>
-              <a:ext cx="1604962" cy="9525"/>
-            </a:xfrm>
-            <a:prstGeom prst="line">
-              <a:avLst/>
-            </a:prstGeom>
-          </p:spPr>
-          <p:style>
-            <a:lnRef idx="2">
-              <a:schemeClr val="dk1"/>
-            </a:lnRef>
-            <a:fillRef idx="0">
-              <a:schemeClr val="dk1"/>
-            </a:fillRef>
-            <a:effectRef idx="1">
-              <a:schemeClr val="dk1"/>
-            </a:effectRef>
-            <a:fontRef idx="minor">
-              <a:schemeClr val="tx1"/>
-            </a:fontRef>
-          </p:style>
-        </p:cxnSp>
-      </p:grpSp>
+          <a:prstGeom prst="rect">
+            <a:avLst/>
+          </a:prstGeom>
+        </p:spPr>
+      </p:pic>
     </p:spTree>
   </p:cSld>
   <p:clrMapOvr>
